--- a/Apuntes-y-notas/Resumen_GitHub.pptx
+++ b/Apuntes-y-notas/Resumen_GitHub.pptx
@@ -270,7 +270,7 @@
           <a:p>
             <a:fld id="{4D1D850F-BC12-7D48-88AF-B2FDE8BDF197}" type="datetimeFigureOut">
               <a:rPr lang="es-ES" smtClean="0"/>
-              <a:t>30/3/21</a:t>
+              <a:t>28/4/21</a:t>
             </a:fld>
             <a:endParaRPr lang="es-ES"/>
           </a:p>
@@ -468,7 +468,7 @@
           <a:p>
             <a:fld id="{4D1D850F-BC12-7D48-88AF-B2FDE8BDF197}" type="datetimeFigureOut">
               <a:rPr lang="es-ES" smtClean="0"/>
-              <a:t>30/3/21</a:t>
+              <a:t>28/4/21</a:t>
             </a:fld>
             <a:endParaRPr lang="es-ES"/>
           </a:p>
@@ -676,7 +676,7 @@
           <a:p>
             <a:fld id="{4D1D850F-BC12-7D48-88AF-B2FDE8BDF197}" type="datetimeFigureOut">
               <a:rPr lang="es-ES" smtClean="0"/>
-              <a:t>30/3/21</a:t>
+              <a:t>28/4/21</a:t>
             </a:fld>
             <a:endParaRPr lang="es-ES"/>
           </a:p>
@@ -874,7 +874,7 @@
           <a:p>
             <a:fld id="{4D1D850F-BC12-7D48-88AF-B2FDE8BDF197}" type="datetimeFigureOut">
               <a:rPr lang="es-ES" smtClean="0"/>
-              <a:t>30/3/21</a:t>
+              <a:t>28/4/21</a:t>
             </a:fld>
             <a:endParaRPr lang="es-ES"/>
           </a:p>
@@ -1149,7 +1149,7 @@
           <a:p>
             <a:fld id="{4D1D850F-BC12-7D48-88AF-B2FDE8BDF197}" type="datetimeFigureOut">
               <a:rPr lang="es-ES" smtClean="0"/>
-              <a:t>30/3/21</a:t>
+              <a:t>28/4/21</a:t>
             </a:fld>
             <a:endParaRPr lang="es-ES"/>
           </a:p>
@@ -1414,7 +1414,7 @@
           <a:p>
             <a:fld id="{4D1D850F-BC12-7D48-88AF-B2FDE8BDF197}" type="datetimeFigureOut">
               <a:rPr lang="es-ES" smtClean="0"/>
-              <a:t>30/3/21</a:t>
+              <a:t>28/4/21</a:t>
             </a:fld>
             <a:endParaRPr lang="es-ES"/>
           </a:p>
@@ -1826,7 +1826,7 @@
           <a:p>
             <a:fld id="{4D1D850F-BC12-7D48-88AF-B2FDE8BDF197}" type="datetimeFigureOut">
               <a:rPr lang="es-ES" smtClean="0"/>
-              <a:t>30/3/21</a:t>
+              <a:t>28/4/21</a:t>
             </a:fld>
             <a:endParaRPr lang="es-ES"/>
           </a:p>
@@ -1967,7 +1967,7 @@
           <a:p>
             <a:fld id="{4D1D850F-BC12-7D48-88AF-B2FDE8BDF197}" type="datetimeFigureOut">
               <a:rPr lang="es-ES" smtClean="0"/>
-              <a:t>30/3/21</a:t>
+              <a:t>28/4/21</a:t>
             </a:fld>
             <a:endParaRPr lang="es-ES"/>
           </a:p>
@@ -2080,7 +2080,7 @@
           <a:p>
             <a:fld id="{4D1D850F-BC12-7D48-88AF-B2FDE8BDF197}" type="datetimeFigureOut">
               <a:rPr lang="es-ES" smtClean="0"/>
-              <a:t>30/3/21</a:t>
+              <a:t>28/4/21</a:t>
             </a:fld>
             <a:endParaRPr lang="es-ES"/>
           </a:p>
@@ -2391,7 +2391,7 @@
           <a:p>
             <a:fld id="{4D1D850F-BC12-7D48-88AF-B2FDE8BDF197}" type="datetimeFigureOut">
               <a:rPr lang="es-ES" smtClean="0"/>
-              <a:t>30/3/21</a:t>
+              <a:t>28/4/21</a:t>
             </a:fld>
             <a:endParaRPr lang="es-ES"/>
           </a:p>
@@ -2679,7 +2679,7 @@
           <a:p>
             <a:fld id="{4D1D850F-BC12-7D48-88AF-B2FDE8BDF197}" type="datetimeFigureOut">
               <a:rPr lang="es-ES" smtClean="0"/>
-              <a:t>30/3/21</a:t>
+              <a:t>28/4/21</a:t>
             </a:fld>
             <a:endParaRPr lang="es-ES"/>
           </a:p>
@@ -2920,7 +2920,7 @@
           <a:p>
             <a:fld id="{4D1D850F-BC12-7D48-88AF-B2FDE8BDF197}" type="datetimeFigureOut">
               <a:rPr lang="es-ES" smtClean="0"/>
-              <a:t>30/3/21</a:t>
+              <a:t>28/4/21</a:t>
             </a:fld>
             <a:endParaRPr lang="es-ES"/>
           </a:p>
@@ -4234,19 +4234,137 @@
         </p:nvSpPr>
         <p:spPr>
           <a:xfrm>
-            <a:off x="4789866" y="162806"/>
-            <a:ext cx="2612267" cy="584775"/>
+            <a:off x="4545519" y="162806"/>
+            <a:ext cx="3265562" cy="584775"/>
           </a:xfrm>
-          <a:prstGeom prst="rect">
+          <a:custGeom>
             <a:avLst/>
-          </a:prstGeom>
+            <a:gdLst>
+              <a:gd name="connsiteX0" fmla="*/ 0 w 3265562"/>
+              <a:gd name="connsiteY0" fmla="*/ 0 h 584775"/>
+              <a:gd name="connsiteX1" fmla="*/ 3265562 w 3265562"/>
+              <a:gd name="connsiteY1" fmla="*/ 0 h 584775"/>
+              <a:gd name="connsiteX2" fmla="*/ 3265562 w 3265562"/>
+              <a:gd name="connsiteY2" fmla="*/ 584775 h 584775"/>
+              <a:gd name="connsiteX3" fmla="*/ 0 w 3265562"/>
+              <a:gd name="connsiteY3" fmla="*/ 584775 h 584775"/>
+              <a:gd name="connsiteX4" fmla="*/ 0 w 3265562"/>
+              <a:gd name="connsiteY4" fmla="*/ 0 h 584775"/>
+            </a:gdLst>
+            <a:ahLst/>
+            <a:cxnLst>
+              <a:cxn ang="0">
+                <a:pos x="connsiteX0" y="connsiteY0"/>
+              </a:cxn>
+              <a:cxn ang="0">
+                <a:pos x="connsiteX1" y="connsiteY1"/>
+              </a:cxn>
+              <a:cxn ang="0">
+                <a:pos x="connsiteX2" y="connsiteY2"/>
+              </a:cxn>
+              <a:cxn ang="0">
+                <a:pos x="connsiteX3" y="connsiteY3"/>
+              </a:cxn>
+              <a:cxn ang="0">
+                <a:pos x="connsiteX4" y="connsiteY4"/>
+              </a:cxn>
+            </a:cxnLst>
+            <a:rect l="l" t="t" r="r" b="b"/>
+            <a:pathLst>
+              <a:path w="3265562" h="584775" fill="none" extrusionOk="0">
+                <a:moveTo>
+                  <a:pt x="0" y="0"/>
+                </a:moveTo>
+                <a:cubicBezTo>
+                  <a:pt x="1517627" y="-49533"/>
+                  <a:pt x="2496692" y="-14809"/>
+                  <a:pt x="3265562" y="0"/>
+                </a:cubicBezTo>
+                <a:cubicBezTo>
+                  <a:pt x="3283762" y="143191"/>
+                  <a:pt x="3287602" y="377780"/>
+                  <a:pt x="3265562" y="584775"/>
+                </a:cubicBezTo>
+                <a:cubicBezTo>
+                  <a:pt x="1767197" y="536544"/>
+                  <a:pt x="1220055" y="669230"/>
+                  <a:pt x="0" y="584775"/>
+                </a:cubicBezTo>
+                <a:cubicBezTo>
+                  <a:pt x="25670" y="340894"/>
+                  <a:pt x="-16018" y="214364"/>
+                  <a:pt x="0" y="0"/>
+                </a:cubicBezTo>
+                <a:close/>
+              </a:path>
+              <a:path w="3265562" h="584775" stroke="0" extrusionOk="0">
+                <a:moveTo>
+                  <a:pt x="0" y="0"/>
+                </a:moveTo>
+                <a:cubicBezTo>
+                  <a:pt x="480450" y="118645"/>
+                  <a:pt x="1854362" y="116012"/>
+                  <a:pt x="3265562" y="0"/>
+                </a:cubicBezTo>
+                <a:cubicBezTo>
+                  <a:pt x="3281364" y="112674"/>
+                  <a:pt x="3257419" y="317807"/>
+                  <a:pt x="3265562" y="584775"/>
+                </a:cubicBezTo>
+                <a:cubicBezTo>
+                  <a:pt x="2392053" y="719375"/>
+                  <a:pt x="1553214" y="427579"/>
+                  <a:pt x="0" y="584775"/>
+                </a:cubicBezTo>
+                <a:cubicBezTo>
+                  <a:pt x="5974" y="355104"/>
+                  <a:pt x="-8038" y="181367"/>
+                  <a:pt x="0" y="0"/>
+                </a:cubicBezTo>
+                <a:close/>
+              </a:path>
+            </a:pathLst>
+          </a:custGeom>
+          <a:ln w="47625" cap="sq">
+            <a:solidFill>
+              <a:schemeClr val="accent2"/>
+            </a:solidFill>
+            <a:miter lim="800000"/>
+            <a:extLst>
+              <a:ext uri="{C807C97D-BFC1-408E-A445-0C87EB9F89A2}">
+                <ask:lineSketchStyleProps xmlns:ask="http://schemas.microsoft.com/office/drawing/2018/sketchyshapes" sd="1219033472">
+                  <a:prstGeom prst="rect">
+                    <a:avLst/>
+                  </a:prstGeom>
+                  <ask:type>
+                    <ask:lineSketchCurved/>
+                  </ask:type>
+                </ask:lineSketchStyleProps>
+              </a:ext>
+            </a:extLst>
+          </a:ln>
         </p:spPr>
+        <p:style>
+          <a:lnRef idx="2">
+            <a:schemeClr val="accent2"/>
+          </a:lnRef>
+          <a:fillRef idx="1">
+            <a:schemeClr val="lt1"/>
+          </a:fillRef>
+          <a:effectRef idx="0">
+            <a:schemeClr val="accent2"/>
+          </a:effectRef>
+          <a:fontRef idx="minor">
+            <a:schemeClr val="dk1"/>
+          </a:fontRef>
+        </p:style>
         <p:txBody>
           <a:bodyPr wrap="square">
             <a:spAutoFit/>
           </a:bodyPr>
           <a:lstStyle/>
           <a:p>
+            <a:pPr algn="ctr"/>
             <a:r>
               <a:rPr lang="es-ES" sz="3200" b="1" i="0" u="sng" dirty="0" err="1">
                 <a:solidFill>
